--- a/95/presentations/plenary.pptx
+++ b/95/presentations/plenary.pptx
@@ -2947,11 +2947,11 @@
               <a:rPr lang="en-US" sz="3100" dirty="0" smtClean="0">
                 <a:hlinkClick r:id="rId2"/>
               </a:rPr>
-              <a:t>Hackathon Proceedings</a:t>
+              <a:t>Hackathon Proceedings </a:t>
             </a:r>
             <a:r>
               <a:rPr lang="en-US" sz="3100" dirty="0" smtClean="0"/>
-              <a:t> in </a:t>
+              <a:t>in </a:t>
             </a:r>
             <a:r>
               <a:rPr lang="en-US" sz="3100" dirty="0" err="1" smtClean="0"/>
